--- a/01 R_Introduction_Data Structures/01c_Data_Structures.pptx
+++ b/01 R_Introduction_Data Structures/01c_Data_Structures.pptx
@@ -5686,14 +5686,14 @@
           <a:effectLst/>
           <a:extLst>
             <a:ext uri="{909E8E84-426E-40dd-AFC4-6F175D3DCCD1}">
-              <a14:hiddenFill xmlns:a14="http://schemas.microsoft.com/office/drawing/2010/main" xmlns="">
+              <a14:hiddenFill xmlns="" xmlns:a14="http://schemas.microsoft.com/office/drawing/2010/main">
                 <a:solidFill>
                   <a:schemeClr val="accent1"/>
                 </a:solidFill>
               </a14:hiddenFill>
             </a:ext>
             <a:ext uri="{91240B29-F687-4f45-9708-019B960494DF}">
-              <a14:hiddenLine xmlns:a14="http://schemas.microsoft.com/office/drawing/2010/main" xmlns="" w="9525">
+              <a14:hiddenLine xmlns="" xmlns:a14="http://schemas.microsoft.com/office/drawing/2010/main" w="9525">
                 <a:solidFill>
                   <a:schemeClr val="tx1"/>
                 </a:solidFill>
@@ -5703,7 +5703,7 @@
               </a14:hiddenLine>
             </a:ext>
             <a:ext uri="{AF507438-7753-43e0-B8FC-AC1667EBCBE1}">
-              <a14:hiddenEffects xmlns:a14="http://schemas.microsoft.com/office/drawing/2010/main" xmlns="">
+              <a14:hiddenEffects xmlns="" xmlns:a14="http://schemas.microsoft.com/office/drawing/2010/main">
                 <a:effectLst>
                   <a:outerShdw dist="35921" dir="2700000" algn="ctr" rotWithShape="0">
                     <a:schemeClr val="bg2"/>
@@ -6112,14 +6112,14 @@
           <a:effectLst/>
           <a:extLst>
             <a:ext uri="{909E8E84-426E-40dd-AFC4-6F175D3DCCD1}">
-              <a14:hiddenFill xmlns:a14="http://schemas.microsoft.com/office/drawing/2010/main" xmlns="">
+              <a14:hiddenFill xmlns="" xmlns:a14="http://schemas.microsoft.com/office/drawing/2010/main">
                 <a:solidFill>
                   <a:schemeClr val="accent1"/>
                 </a:solidFill>
               </a14:hiddenFill>
             </a:ext>
             <a:ext uri="{91240B29-F687-4f45-9708-019B960494DF}">
-              <a14:hiddenLine xmlns:a14="http://schemas.microsoft.com/office/drawing/2010/main" xmlns="" w="9525">
+              <a14:hiddenLine xmlns="" xmlns:a14="http://schemas.microsoft.com/office/drawing/2010/main" w="9525">
                 <a:solidFill>
                   <a:schemeClr val="tx1"/>
                 </a:solidFill>
@@ -6129,7 +6129,7 @@
               </a14:hiddenLine>
             </a:ext>
             <a:ext uri="{AF507438-7753-43e0-B8FC-AC1667EBCBE1}">
-              <a14:hiddenEffects xmlns:a14="http://schemas.microsoft.com/office/drawing/2010/main" xmlns="">
+              <a14:hiddenEffects xmlns="" xmlns:a14="http://schemas.microsoft.com/office/drawing/2010/main">
                 <a:effectLst>
                   <a:outerShdw dist="35921" dir="2700000" algn="ctr" rotWithShape="0">
                     <a:schemeClr val="bg2"/>
@@ -6583,14 +6583,14 @@
           <a:effectLst/>
           <a:extLst>
             <a:ext uri="{909E8E84-426E-40dd-AFC4-6F175D3DCCD1}">
-              <a14:hiddenFill xmlns:a14="http://schemas.microsoft.com/office/drawing/2010/main" xmlns="">
+              <a14:hiddenFill xmlns="" xmlns:a14="http://schemas.microsoft.com/office/drawing/2010/main">
                 <a:solidFill>
                   <a:schemeClr val="accent1"/>
                 </a:solidFill>
               </a14:hiddenFill>
             </a:ext>
             <a:ext uri="{91240B29-F687-4f45-9708-019B960494DF}">
-              <a14:hiddenLine xmlns:a14="http://schemas.microsoft.com/office/drawing/2010/main" xmlns="" w="9525">
+              <a14:hiddenLine xmlns="" xmlns:a14="http://schemas.microsoft.com/office/drawing/2010/main" w="9525">
                 <a:solidFill>
                   <a:schemeClr val="tx1"/>
                 </a:solidFill>
@@ -6600,7 +6600,7 @@
               </a14:hiddenLine>
             </a:ext>
             <a:ext uri="{AF507438-7753-43e0-B8FC-AC1667EBCBE1}">
-              <a14:hiddenEffects xmlns:a14="http://schemas.microsoft.com/office/drawing/2010/main" xmlns="">
+              <a14:hiddenEffects xmlns="" xmlns:a14="http://schemas.microsoft.com/office/drawing/2010/main">
                 <a:effectLst>
                   <a:outerShdw dist="35921" dir="2700000" algn="ctr" rotWithShape="0">
                     <a:schemeClr val="bg2"/>
@@ -7121,14 +7121,14 @@
           <a:effectLst/>
           <a:extLst>
             <a:ext uri="{909E8E84-426E-40dd-AFC4-6F175D3DCCD1}">
-              <a14:hiddenFill xmlns:a14="http://schemas.microsoft.com/office/drawing/2010/main" xmlns="">
+              <a14:hiddenFill xmlns="" xmlns:a14="http://schemas.microsoft.com/office/drawing/2010/main">
                 <a:solidFill>
                   <a:schemeClr val="accent1"/>
                 </a:solidFill>
               </a14:hiddenFill>
             </a:ext>
             <a:ext uri="{91240B29-F687-4f45-9708-019B960494DF}">
-              <a14:hiddenLine xmlns:a14="http://schemas.microsoft.com/office/drawing/2010/main" xmlns="" w="9525">
+              <a14:hiddenLine xmlns="" xmlns:a14="http://schemas.microsoft.com/office/drawing/2010/main" w="9525">
                 <a:solidFill>
                   <a:schemeClr val="tx1"/>
                 </a:solidFill>
@@ -7138,7 +7138,7 @@
               </a14:hiddenLine>
             </a:ext>
             <a:ext uri="{AF507438-7753-43e0-B8FC-AC1667EBCBE1}">
-              <a14:hiddenEffects xmlns:a14="http://schemas.microsoft.com/office/drawing/2010/main" xmlns="">
+              <a14:hiddenEffects xmlns="" xmlns:a14="http://schemas.microsoft.com/office/drawing/2010/main">
                 <a:effectLst>
                   <a:outerShdw dist="35921" dir="2700000" algn="ctr" rotWithShape="0">
                     <a:schemeClr val="bg2"/>
@@ -7624,14 +7624,14 @@
           <a:effectLst/>
           <a:extLst>
             <a:ext uri="{909E8E84-426E-40dd-AFC4-6F175D3DCCD1}">
-              <a14:hiddenFill xmlns:a14="http://schemas.microsoft.com/office/drawing/2010/main" xmlns="">
+              <a14:hiddenFill xmlns="" xmlns:a14="http://schemas.microsoft.com/office/drawing/2010/main">
                 <a:solidFill>
                   <a:schemeClr val="accent1"/>
                 </a:solidFill>
               </a14:hiddenFill>
             </a:ext>
             <a:ext uri="{91240B29-F687-4f45-9708-019B960494DF}">
-              <a14:hiddenLine xmlns:a14="http://schemas.microsoft.com/office/drawing/2010/main" xmlns="" w="9525">
+              <a14:hiddenLine xmlns="" xmlns:a14="http://schemas.microsoft.com/office/drawing/2010/main" w="9525">
                 <a:solidFill>
                   <a:schemeClr val="tx1"/>
                 </a:solidFill>
@@ -7641,7 +7641,7 @@
               </a14:hiddenLine>
             </a:ext>
             <a:ext uri="{AF507438-7753-43e0-B8FC-AC1667EBCBE1}">
-              <a14:hiddenEffects xmlns:a14="http://schemas.microsoft.com/office/drawing/2010/main" xmlns="">
+              <a14:hiddenEffects xmlns="" xmlns:a14="http://schemas.microsoft.com/office/drawing/2010/main">
                 <a:effectLst>
                   <a:outerShdw dist="35921" dir="2700000" algn="ctr" rotWithShape="0">
                     <a:schemeClr val="bg2"/>
@@ -8197,14 +8197,14 @@
           <a:effectLst/>
           <a:extLst>
             <a:ext uri="{909E8E84-426E-40dd-AFC4-6F175D3DCCD1}">
-              <a14:hiddenFill xmlns:a14="http://schemas.microsoft.com/office/drawing/2010/main" xmlns="">
+              <a14:hiddenFill xmlns="" xmlns:a14="http://schemas.microsoft.com/office/drawing/2010/main">
                 <a:solidFill>
                   <a:schemeClr val="accent1"/>
                 </a:solidFill>
               </a14:hiddenFill>
             </a:ext>
             <a:ext uri="{91240B29-F687-4f45-9708-019B960494DF}">
-              <a14:hiddenLine xmlns:a14="http://schemas.microsoft.com/office/drawing/2010/main" xmlns="" w="9525">
+              <a14:hiddenLine xmlns="" xmlns:a14="http://schemas.microsoft.com/office/drawing/2010/main" w="9525">
                 <a:solidFill>
                   <a:schemeClr val="tx1"/>
                 </a:solidFill>
@@ -8214,7 +8214,7 @@
               </a14:hiddenLine>
             </a:ext>
             <a:ext uri="{AF507438-7753-43e0-B8FC-AC1667EBCBE1}">
-              <a14:hiddenEffects xmlns:a14="http://schemas.microsoft.com/office/drawing/2010/main" xmlns="">
+              <a14:hiddenEffects xmlns="" xmlns:a14="http://schemas.microsoft.com/office/drawing/2010/main">
                 <a:effectLst>
                   <a:outerShdw dist="35921" dir="2700000" algn="ctr" rotWithShape="0">
                     <a:schemeClr val="bg2"/>
@@ -21574,26 +21574,16 @@
               <a:rPr lang="en-US" sz="2400" dirty="0">
                 <a:latin typeface="Avenir Medium"/>
                 <a:cs typeface="Avenir Medium"/>
-              </a:rPr>
-              <a:t>02b_data_structures__datasets.R</a:t>
-            </a:r>
-          </a:p>
-          <a:p>
-            <a:pPr marL="82296" indent="0">
-              <a:buNone/>
-            </a:pPr>
-            <a:r>
-              <a:rPr lang="en-US" sz="2400" dirty="0">
-                <a:latin typeface="Avenir Medium"/>
-                <a:cs typeface="Avenir Medium"/>
-              </a:rPr>
-              <a:t>(see portal)</a:t>
-            </a:r>
-          </a:p>
-          <a:p>
-            <a:pPr marL="82296" indent="0">
-              <a:buNone/>
-            </a:pPr>
+                <a:hlinkClick r:id="rId2"/>
+              </a:rPr>
+              <a:t>https://github.com/marinfotache/Data-Processing-Analysis-Science-with-R/blob/master/01%20R_Introduction_Data%20Structures/01c_data_structures.R</a:t>
+            </a:r>
+            <a:endParaRPr lang="en-US" sz="2400" dirty="0">
+              <a:latin typeface="Avenir Medium"/>
+              <a:cs typeface="Avenir Medium"/>
+            </a:endParaRPr>
+          </a:p>
+          <a:p>
             <a:endParaRPr lang="en-US" sz="2400" dirty="0">
               <a:latin typeface="Avenir Medium"/>
               <a:cs typeface="Avenir Medium"/>
@@ -24493,7 +24483,7 @@
         </p:nvSpPr>
         <p:spPr>
           <a:xfrm>
-            <a:off x="457200" y="44624"/>
+            <a:off x="457200" y="304800"/>
             <a:ext cx="8229600" cy="1008112"/>
           </a:xfrm>
         </p:spPr>
@@ -24517,6 +24507,77 @@
                 <a:effectLst/>
               </a:rPr>
               <a:t>Tibbles</a:t>
+            </a:r>
+            <a:br>
+              <a:rPr lang="ro-RO" dirty="0">
+                <a:effectLst/>
+              </a:rPr>
+            </a:br>
+            <a:r>
+              <a:rPr lang="ro-RO" dirty="0">
+                <a:effectLst/>
+              </a:rPr>
+              <a:t>(</a:t>
+            </a:r>
+            <a:r>
+              <a:rPr lang="ro-RO" dirty="0" err="1">
+                <a:effectLst/>
+              </a:rPr>
+              <a:t>see</a:t>
+            </a:r>
+            <a:r>
+              <a:rPr lang="ro-RO" dirty="0">
+                <a:effectLst/>
+              </a:rPr>
+              <a:t> </a:t>
+            </a:r>
+            <a:r>
+              <a:rPr lang="ro-RO" dirty="0" err="1">
+                <a:effectLst/>
+              </a:rPr>
+              <a:t>also</a:t>
+            </a:r>
+            <a:r>
+              <a:rPr lang="ro-RO" dirty="0">
+                <a:effectLst/>
+              </a:rPr>
+              <a:t> </a:t>
+            </a:r>
+            <a:r>
+              <a:rPr lang="ro-RO" dirty="0" err="1">
+                <a:effectLst/>
+              </a:rPr>
+              <a:t>the</a:t>
+            </a:r>
+            <a:r>
+              <a:rPr lang="ro-RO" dirty="0">
+                <a:effectLst/>
+              </a:rPr>
+              <a:t> `</a:t>
+            </a:r>
+            <a:r>
+              <a:rPr lang="ro-RO" dirty="0" err="1">
+                <a:effectLst/>
+              </a:rPr>
+              <a:t>tidyverse</a:t>
+            </a:r>
+            <a:r>
+              <a:rPr lang="ro-RO" dirty="0">
+                <a:effectLst/>
+              </a:rPr>
+              <a:t>` </a:t>
+            </a:r>
+            <a:r>
+              <a:rPr lang="ro-RO" dirty="0" err="1">
+                <a:effectLst/>
+              </a:rPr>
+              <a:t>presentation</a:t>
+            </a:r>
+            <a:r>
+              <a:rPr lang="ro-RO" dirty="0">
+                <a:effectLst/>
+              </a:rPr>
+              <a:t>/script</a:t>
             </a:r>
             <a:br>
               <a:rPr lang="ro-RO" dirty="0">
@@ -31570,14 +31631,14 @@
           <a:effectLst/>
           <a:extLst>
             <a:ext uri="{909E8E84-426E-40dd-AFC4-6F175D3DCCD1}">
-              <a14:hiddenFill xmlns:a14="http://schemas.microsoft.com/office/drawing/2010/main" xmlns="">
+              <a14:hiddenFill xmlns="" xmlns:a14="http://schemas.microsoft.com/office/drawing/2010/main">
                 <a:solidFill>
                   <a:schemeClr val="accent1"/>
                 </a:solidFill>
               </a14:hiddenFill>
             </a:ext>
             <a:ext uri="{91240B29-F687-4f45-9708-019B960494DF}">
-              <a14:hiddenLine xmlns:a14="http://schemas.microsoft.com/office/drawing/2010/main" xmlns="" w="9525">
+              <a14:hiddenLine xmlns="" xmlns:a14="http://schemas.microsoft.com/office/drawing/2010/main" w="9525">
                 <a:solidFill>
                   <a:schemeClr val="tx1"/>
                 </a:solidFill>
@@ -31587,7 +31648,7 @@
               </a14:hiddenLine>
             </a:ext>
             <a:ext uri="{AF507438-7753-43e0-B8FC-AC1667EBCBE1}">
-              <a14:hiddenEffects xmlns:a14="http://schemas.microsoft.com/office/drawing/2010/main" xmlns="">
+              <a14:hiddenEffects xmlns="" xmlns:a14="http://schemas.microsoft.com/office/drawing/2010/main">
                 <a:effectLst>
                   <a:outerShdw dist="35921" dir="2700000" algn="ctr" rotWithShape="0">
                     <a:schemeClr val="bg2"/>
@@ -35539,14 +35600,14 @@
           <a:effectLst/>
           <a:extLst>
             <a:ext uri="{909E8E84-426E-40dd-AFC4-6F175D3DCCD1}">
-              <a14:hiddenFill xmlns:a14="http://schemas.microsoft.com/office/drawing/2010/main" xmlns="">
+              <a14:hiddenFill xmlns="" xmlns:a14="http://schemas.microsoft.com/office/drawing/2010/main">
                 <a:solidFill>
                   <a:schemeClr val="accent1"/>
                 </a:solidFill>
               </a14:hiddenFill>
             </a:ext>
             <a:ext uri="{91240B29-F687-4f45-9708-019B960494DF}">
-              <a14:hiddenLine xmlns:a14="http://schemas.microsoft.com/office/drawing/2010/main" xmlns="" w="9525">
+              <a14:hiddenLine xmlns="" xmlns:a14="http://schemas.microsoft.com/office/drawing/2010/main" w="9525">
                 <a:solidFill>
                   <a:schemeClr val="tx1"/>
                 </a:solidFill>
@@ -35556,7 +35617,7 @@
               </a14:hiddenLine>
             </a:ext>
             <a:ext uri="{AF507438-7753-43e0-B8FC-AC1667EBCBE1}">
-              <a14:hiddenEffects xmlns:a14="http://schemas.microsoft.com/office/drawing/2010/main" xmlns="">
+              <a14:hiddenEffects xmlns="" xmlns:a14="http://schemas.microsoft.com/office/drawing/2010/main">
                 <a:effectLst>
                   <a:outerShdw dist="35921" dir="2700000" algn="ctr" rotWithShape="0">
                     <a:schemeClr val="bg2"/>

--- a/01 R_Introduction_Data Structures/01c_Data_Structures.pptx
+++ b/01 R_Introduction_Data Structures/01c_Data_Structures.pptx
@@ -6,8 +6,8 @@
   </p:sldMasterIdLst>
   <p:sldIdLst>
     <p:sldId id="256" r:id="rId2"/>
-    <p:sldId id="485" r:id="rId3"/>
-    <p:sldId id="390" r:id="rId4"/>
+    <p:sldId id="390" r:id="rId3"/>
+    <p:sldId id="487" r:id="rId4"/>
     <p:sldId id="393" r:id="rId5"/>
     <p:sldId id="470" r:id="rId6"/>
     <p:sldId id="353" r:id="rId7"/>
@@ -5686,14 +5686,14 @@
           <a:effectLst/>
           <a:extLst>
             <a:ext uri="{909E8E84-426E-40dd-AFC4-6F175D3DCCD1}">
-              <a14:hiddenFill xmlns="" xmlns:a14="http://schemas.microsoft.com/office/drawing/2010/main">
+              <a14:hiddenFill xmlns:a14="http://schemas.microsoft.com/office/drawing/2010/main" xmlns="">
                 <a:solidFill>
                   <a:schemeClr val="accent1"/>
                 </a:solidFill>
               </a14:hiddenFill>
             </a:ext>
             <a:ext uri="{91240B29-F687-4f45-9708-019B960494DF}">
-              <a14:hiddenLine xmlns="" xmlns:a14="http://schemas.microsoft.com/office/drawing/2010/main" w="9525">
+              <a14:hiddenLine xmlns:a14="http://schemas.microsoft.com/office/drawing/2010/main" xmlns="" w="9525">
                 <a:solidFill>
                   <a:schemeClr val="tx1"/>
                 </a:solidFill>
@@ -5703,7 +5703,7 @@
               </a14:hiddenLine>
             </a:ext>
             <a:ext uri="{AF507438-7753-43e0-B8FC-AC1667EBCBE1}">
-              <a14:hiddenEffects xmlns="" xmlns:a14="http://schemas.microsoft.com/office/drawing/2010/main">
+              <a14:hiddenEffects xmlns:a14="http://schemas.microsoft.com/office/drawing/2010/main" xmlns="">
                 <a:effectLst>
                   <a:outerShdw dist="35921" dir="2700000" algn="ctr" rotWithShape="0">
                     <a:schemeClr val="bg2"/>
@@ -6112,14 +6112,14 @@
           <a:effectLst/>
           <a:extLst>
             <a:ext uri="{909E8E84-426E-40dd-AFC4-6F175D3DCCD1}">
-              <a14:hiddenFill xmlns="" xmlns:a14="http://schemas.microsoft.com/office/drawing/2010/main">
+              <a14:hiddenFill xmlns:a14="http://schemas.microsoft.com/office/drawing/2010/main" xmlns="">
                 <a:solidFill>
                   <a:schemeClr val="accent1"/>
                 </a:solidFill>
               </a14:hiddenFill>
             </a:ext>
             <a:ext uri="{91240B29-F687-4f45-9708-019B960494DF}">
-              <a14:hiddenLine xmlns="" xmlns:a14="http://schemas.microsoft.com/office/drawing/2010/main" w="9525">
+              <a14:hiddenLine xmlns:a14="http://schemas.microsoft.com/office/drawing/2010/main" xmlns="" w="9525">
                 <a:solidFill>
                   <a:schemeClr val="tx1"/>
                 </a:solidFill>
@@ -6129,7 +6129,7 @@
               </a14:hiddenLine>
             </a:ext>
             <a:ext uri="{AF507438-7753-43e0-B8FC-AC1667EBCBE1}">
-              <a14:hiddenEffects xmlns="" xmlns:a14="http://schemas.microsoft.com/office/drawing/2010/main">
+              <a14:hiddenEffects xmlns:a14="http://schemas.microsoft.com/office/drawing/2010/main" xmlns="">
                 <a:effectLst>
                   <a:outerShdw dist="35921" dir="2700000" algn="ctr" rotWithShape="0">
                     <a:schemeClr val="bg2"/>
@@ -6583,14 +6583,14 @@
           <a:effectLst/>
           <a:extLst>
             <a:ext uri="{909E8E84-426E-40dd-AFC4-6F175D3DCCD1}">
-              <a14:hiddenFill xmlns="" xmlns:a14="http://schemas.microsoft.com/office/drawing/2010/main">
+              <a14:hiddenFill xmlns:a14="http://schemas.microsoft.com/office/drawing/2010/main" xmlns="">
                 <a:solidFill>
                   <a:schemeClr val="accent1"/>
                 </a:solidFill>
               </a14:hiddenFill>
             </a:ext>
             <a:ext uri="{91240B29-F687-4f45-9708-019B960494DF}">
-              <a14:hiddenLine xmlns="" xmlns:a14="http://schemas.microsoft.com/office/drawing/2010/main" w="9525">
+              <a14:hiddenLine xmlns:a14="http://schemas.microsoft.com/office/drawing/2010/main" xmlns="" w="9525">
                 <a:solidFill>
                   <a:schemeClr val="tx1"/>
                 </a:solidFill>
@@ -6600,7 +6600,7 @@
               </a14:hiddenLine>
             </a:ext>
             <a:ext uri="{AF507438-7753-43e0-B8FC-AC1667EBCBE1}">
-              <a14:hiddenEffects xmlns="" xmlns:a14="http://schemas.microsoft.com/office/drawing/2010/main">
+              <a14:hiddenEffects xmlns:a14="http://schemas.microsoft.com/office/drawing/2010/main" xmlns="">
                 <a:effectLst>
                   <a:outerShdw dist="35921" dir="2700000" algn="ctr" rotWithShape="0">
                     <a:schemeClr val="bg2"/>
@@ -7121,14 +7121,14 @@
           <a:effectLst/>
           <a:extLst>
             <a:ext uri="{909E8E84-426E-40dd-AFC4-6F175D3DCCD1}">
-              <a14:hiddenFill xmlns="" xmlns:a14="http://schemas.microsoft.com/office/drawing/2010/main">
+              <a14:hiddenFill xmlns:a14="http://schemas.microsoft.com/office/drawing/2010/main" xmlns="">
                 <a:solidFill>
                   <a:schemeClr val="accent1"/>
                 </a:solidFill>
               </a14:hiddenFill>
             </a:ext>
             <a:ext uri="{91240B29-F687-4f45-9708-019B960494DF}">
-              <a14:hiddenLine xmlns="" xmlns:a14="http://schemas.microsoft.com/office/drawing/2010/main" w="9525">
+              <a14:hiddenLine xmlns:a14="http://schemas.microsoft.com/office/drawing/2010/main" xmlns="" w="9525">
                 <a:solidFill>
                   <a:schemeClr val="tx1"/>
                 </a:solidFill>
@@ -7138,7 +7138,7 @@
               </a14:hiddenLine>
             </a:ext>
             <a:ext uri="{AF507438-7753-43e0-B8FC-AC1667EBCBE1}">
-              <a14:hiddenEffects xmlns="" xmlns:a14="http://schemas.microsoft.com/office/drawing/2010/main">
+              <a14:hiddenEffects xmlns:a14="http://schemas.microsoft.com/office/drawing/2010/main" xmlns="">
                 <a:effectLst>
                   <a:outerShdw dist="35921" dir="2700000" algn="ctr" rotWithShape="0">
                     <a:schemeClr val="bg2"/>
@@ -7624,14 +7624,14 @@
           <a:effectLst/>
           <a:extLst>
             <a:ext uri="{909E8E84-426E-40dd-AFC4-6F175D3DCCD1}">
-              <a14:hiddenFill xmlns="" xmlns:a14="http://schemas.microsoft.com/office/drawing/2010/main">
+              <a14:hiddenFill xmlns:a14="http://schemas.microsoft.com/office/drawing/2010/main" xmlns="">
                 <a:solidFill>
                   <a:schemeClr val="accent1"/>
                 </a:solidFill>
               </a14:hiddenFill>
             </a:ext>
             <a:ext uri="{91240B29-F687-4f45-9708-019B960494DF}">
-              <a14:hiddenLine xmlns="" xmlns:a14="http://schemas.microsoft.com/office/drawing/2010/main" w="9525">
+              <a14:hiddenLine xmlns:a14="http://schemas.microsoft.com/office/drawing/2010/main" xmlns="" w="9525">
                 <a:solidFill>
                   <a:schemeClr val="tx1"/>
                 </a:solidFill>
@@ -7641,7 +7641,7 @@
               </a14:hiddenLine>
             </a:ext>
             <a:ext uri="{AF507438-7753-43e0-B8FC-AC1667EBCBE1}">
-              <a14:hiddenEffects xmlns="" xmlns:a14="http://schemas.microsoft.com/office/drawing/2010/main">
+              <a14:hiddenEffects xmlns:a14="http://schemas.microsoft.com/office/drawing/2010/main" xmlns="">
                 <a:effectLst>
                   <a:outerShdw dist="35921" dir="2700000" algn="ctr" rotWithShape="0">
                     <a:schemeClr val="bg2"/>
@@ -8197,14 +8197,14 @@
           <a:effectLst/>
           <a:extLst>
             <a:ext uri="{909E8E84-426E-40dd-AFC4-6F175D3DCCD1}">
-              <a14:hiddenFill xmlns="" xmlns:a14="http://schemas.microsoft.com/office/drawing/2010/main">
+              <a14:hiddenFill xmlns:a14="http://schemas.microsoft.com/office/drawing/2010/main" xmlns="">
                 <a:solidFill>
                   <a:schemeClr val="accent1"/>
                 </a:solidFill>
               </a14:hiddenFill>
             </a:ext>
             <a:ext uri="{91240B29-F687-4f45-9708-019B960494DF}">
-              <a14:hiddenLine xmlns="" xmlns:a14="http://schemas.microsoft.com/office/drawing/2010/main" w="9525">
+              <a14:hiddenLine xmlns:a14="http://schemas.microsoft.com/office/drawing/2010/main" xmlns="" w="9525">
                 <a:solidFill>
                   <a:schemeClr val="tx1"/>
                 </a:solidFill>
@@ -8214,7 +8214,7 @@
               </a14:hiddenLine>
             </a:ext>
             <a:ext uri="{AF507438-7753-43e0-B8FC-AC1667EBCBE1}">
-              <a14:hiddenEffects xmlns="" xmlns:a14="http://schemas.microsoft.com/office/drawing/2010/main">
+              <a14:hiddenEffects xmlns:a14="http://schemas.microsoft.com/office/drawing/2010/main" xmlns="">
                 <a:effectLst>
                   <a:outerShdw dist="35921" dir="2700000" algn="ctr" rotWithShape="0">
                     <a:schemeClr val="bg2"/>
@@ -9464,18 +9464,13 @@
           <a:p>
             <a:pPr algn="ctr"/>
             <a:r>
-              <a:rPr lang="en-US" dirty="0">
+              <a:rPr lang="en-US" sz="3600" b="1" dirty="0">
                 <a:latin typeface="Arial Unicode MS" panose="020B0604020202020204" pitchFamily="34" charset="-128"/>
                 <a:ea typeface="Arial Unicode MS" panose="020B0604020202020204" pitchFamily="34" charset="-128"/>
                 <a:cs typeface="Arial Unicode MS" panose="020B0604020202020204" pitchFamily="34" charset="-128"/>
               </a:rPr>
-              <a:t>A free resource to start with</a:t>
-            </a:r>
-            <a:endParaRPr lang="en-US" sz="3600" b="1" dirty="0">
-              <a:latin typeface="Arial Unicode MS" panose="020B0604020202020204" pitchFamily="34" charset="-128"/>
-              <a:ea typeface="Arial Unicode MS" panose="020B0604020202020204" pitchFamily="34" charset="-128"/>
-              <a:cs typeface="Arial Unicode MS" panose="020B0604020202020204" pitchFamily="34" charset="-128"/>
-            </a:endParaRPr>
+              <a:t>Tutorials (and code) on Data Structures</a:t>
+            </a:r>
           </a:p>
         </p:txBody>
       </p:sp>
@@ -9489,8 +9484,8 @@
         </p:nvSpPr>
         <p:spPr>
           <a:xfrm>
-            <a:off x="152400" y="1219200"/>
-            <a:ext cx="8991600" cy="5715000"/>
+            <a:off x="990600" y="1524000"/>
+            <a:ext cx="8153400" cy="5181600"/>
           </a:xfrm>
           <a:prstGeom prst="rect">
             <a:avLst/>
@@ -9498,7 +9493,7 @@
         </p:spPr>
         <p:txBody>
           <a:bodyPr>
-            <a:normAutofit/>
+            <a:noAutofit/>
           </a:bodyPr>
           <a:lstStyle>
             <a:lvl1pPr marL="365760" indent="-283464" algn="l" eaLnBrk="1" latinLnBrk="0" hangingPunct="1">
@@ -9646,18 +9641,11 @@
               </a:lnSpc>
             </a:pPr>
             <a:r>
-              <a:rPr lang="en-US" dirty="0" err="1">
+              <a:rPr lang="en-US" sz="2400" dirty="0">
                 <a:latin typeface="Avenir Medium"/>
                 <a:cs typeface="Avenir Medium"/>
               </a:rPr>
-              <a:t>DataCamp’s</a:t>
-            </a:r>
-            <a:r>
-              <a:rPr lang="en-US" dirty="0">
-                <a:latin typeface="Avenir Medium"/>
-                <a:cs typeface="Avenir Medium"/>
-              </a:rPr>
-              <a:t> free course `Introduction to R`</a:t>
+              <a:t>4.3 Data Structures</a:t>
             </a:r>
           </a:p>
           <a:p>
@@ -9668,113 +9656,80 @@
               <a:buNone/>
             </a:pPr>
             <a:r>
-              <a:rPr lang="en-US" dirty="0">
+              <a:rPr lang="en-US" sz="1800" dirty="0">
                 <a:latin typeface="Avenir Medium"/>
                 <a:cs typeface="Avenir Medium"/>
                 <a:hlinkClick r:id="rId2"/>
               </a:rPr>
-              <a:t>https://www.datacamp.com/courses/free-introduction-to-r</a:t>
-            </a:r>
-            <a:endParaRPr lang="en-US" dirty="0">
+              <a:t>https://csu-r.github.io/Module1/data-structures.html</a:t>
+            </a:r>
+            <a:endParaRPr lang="en-US" sz="1800" dirty="0">
               <a:latin typeface="Avenir Medium"/>
               <a:cs typeface="Avenir Medium"/>
             </a:endParaRPr>
           </a:p>
           <a:p>
-            <a:pPr lvl="1">
+            <a:pPr>
               <a:lnSpc>
                 <a:spcPct val="120000"/>
               </a:lnSpc>
             </a:pPr>
             <a:r>
-              <a:rPr lang="en-US" dirty="0">
+              <a:rPr lang="en-US" sz="2400" dirty="0">
                 <a:latin typeface="Avenir Medium"/>
               </a:rPr>
-              <a:t>Section 2 - `Vectors`</a:t>
-            </a:r>
-          </a:p>
-          <a:p>
-            <a:pPr lvl="1">
+              <a:t>1.2 Variables (Variables and Data Structures)</a:t>
+            </a:r>
+          </a:p>
+          <a:p>
+            <a:pPr marL="82296" indent="0">
               <a:lnSpc>
                 <a:spcPct val="120000"/>
               </a:lnSpc>
-            </a:pPr>
-            <a:r>
-              <a:rPr lang="en-US" dirty="0">
+              <a:buNone/>
+            </a:pPr>
+            <a:r>
+              <a:rPr lang="en-US" sz="1800" dirty="0">
                 <a:latin typeface="Avenir Medium"/>
-              </a:rPr>
-              <a:t>Section 3 - `Matrices`</a:t>
-            </a:r>
-          </a:p>
-          <a:p>
-            <a:pPr lvl="1">
-              <a:lnSpc>
-                <a:spcPct val="120000"/>
-              </a:lnSpc>
-            </a:pPr>
-            <a:r>
-              <a:rPr lang="en-US" dirty="0">
-                <a:latin typeface="Avenir Medium"/>
-              </a:rPr>
-              <a:t>Section 4 - `Factors`</a:t>
-            </a:r>
-          </a:p>
-          <a:p>
-            <a:pPr lvl="1">
-              <a:lnSpc>
-                <a:spcPct val="120000"/>
-              </a:lnSpc>
-            </a:pPr>
-            <a:r>
-              <a:rPr lang="en-US" dirty="0">
-                <a:latin typeface="Avenir Medium"/>
-              </a:rPr>
-              <a:t>Section 5 - `Data frames`</a:t>
-            </a:r>
-          </a:p>
-          <a:p>
-            <a:pPr lvl="1">
-              <a:lnSpc>
-                <a:spcPct val="120000"/>
-              </a:lnSpc>
-            </a:pPr>
-            <a:r>
-              <a:rPr lang="en-US" dirty="0">
-                <a:latin typeface="Avenir Medium"/>
-              </a:rPr>
-              <a:t>Section 6 - `Lists`</a:t>
-            </a:r>
-          </a:p>
-          <a:p>
-            <a:pPr lvl="1">
-              <a:lnSpc>
-                <a:spcPct val="120000"/>
-              </a:lnSpc>
-            </a:pPr>
-            <a:endParaRPr lang="en-US" dirty="0">
-              <a:latin typeface="Avenir Medium"/>
-            </a:endParaRPr>
-          </a:p>
-          <a:p>
-            <a:pPr marL="82296" indent="0">
-              <a:lnSpc>
-                <a:spcPct val="120000"/>
-              </a:lnSpc>
-              <a:buNone/>
-            </a:pPr>
-            <a:endParaRPr lang="en-US" dirty="0">
+                <a:cs typeface="Avenir Medium"/>
+                <a:hlinkClick r:id="rId3"/>
+              </a:rPr>
+              <a:t>https://www.youtube.com/watch?v=DG7YNf8kb3w</a:t>
+            </a:r>
+            <a:endParaRPr lang="en-US" sz="1800" dirty="0">
               <a:latin typeface="Avenir Medium"/>
               <a:cs typeface="Avenir Medium"/>
             </a:endParaRPr>
           </a:p>
           <a:p>
-            <a:pPr marL="82296" indent="0">
+            <a:pPr>
               <a:lnSpc>
                 <a:spcPct val="120000"/>
               </a:lnSpc>
-              <a:buNone/>
-            </a:pPr>
-            <a:endParaRPr lang="en-US" dirty="0">
+            </a:pPr>
+            <a:r>
+              <a:rPr lang="en-US" sz="2400" dirty="0">
+                <a:latin typeface="Avenir Medium"/>
+              </a:rPr>
+              <a:t>2 - Introduction to R : Atomic Classes</a:t>
+            </a:r>
+          </a:p>
+          <a:p>
+            <a:pPr marL="82296" indent="0">
+              <a:lnSpc>
+                <a:spcPct val="120000"/>
+              </a:lnSpc>
+              <a:buNone/>
+            </a:pPr>
+            <a:r>
+              <a:rPr lang="en-US" sz="1800" dirty="0">
+                <a:latin typeface="Avenir Medium"/>
+                <a:cs typeface="Avenir Medium"/>
+                <a:hlinkClick r:id="rId4"/>
+              </a:rPr>
+              <a:t>https://www.youtube.com/watch?v=271FKAYavYE</a:t>
+            </a:r>
+            <a:endParaRPr lang="en-US" sz="1800" dirty="0">
               <a:latin typeface="Avenir Medium"/>
               <a:cs typeface="Avenir Medium"/>
             </a:endParaRPr>
@@ -9786,22 +9741,47 @@
               </a:lnSpc>
               <a:buNone/>
             </a:pPr>
-            <a:endParaRPr lang="en-US" dirty="0">
+            <a:r>
+              <a:rPr lang="en-US" sz="1800" dirty="0">
+                <a:latin typeface="Avenir Medium"/>
+                <a:cs typeface="Avenir Medium"/>
+                <a:hlinkClick r:id="rId5"/>
+              </a:rPr>
+              <a:t>http://</a:t>
+            </a:r>
+            <a:r>
+              <a:rPr lang="en-US" sz="1800" dirty="0" err="1">
+                <a:latin typeface="Avenir Medium"/>
+                <a:cs typeface="Avenir Medium"/>
+                <a:hlinkClick r:id="rId5"/>
+              </a:rPr>
+              <a:t>repidemiology.wordpress.com</a:t>
+            </a:r>
+            <a:r>
+              <a:rPr lang="en-US" sz="1800" dirty="0">
+                <a:latin typeface="Avenir Medium"/>
+                <a:cs typeface="Avenir Medium"/>
+                <a:hlinkClick r:id="rId5"/>
+              </a:rPr>
+              <a:t>/introduction-to-r-code/</a:t>
+            </a:r>
+            <a:endParaRPr lang="en-US" sz="1800" dirty="0">
               <a:latin typeface="Avenir Medium"/>
               <a:cs typeface="Avenir Medium"/>
             </a:endParaRPr>
           </a:p>
           <a:p>
-            <a:pPr marL="82296" indent="0">
+            <a:pPr>
               <a:lnSpc>
                 <a:spcPct val="120000"/>
               </a:lnSpc>
-              <a:buNone/>
-            </a:pPr>
-            <a:endParaRPr lang="en-US" dirty="0">
-              <a:latin typeface="Avenir Medium"/>
-              <a:cs typeface="Avenir Medium"/>
-            </a:endParaRPr>
+            </a:pPr>
+            <a:r>
+              <a:rPr lang="en-US" sz="2400" dirty="0">
+                <a:latin typeface="Avenir Medium"/>
+              </a:rPr>
+              <a:t>1.3 Vectors (Variables and Data Structures)</a:t>
+            </a:r>
           </a:p>
           <a:p>
             <a:pPr marL="82296" indent="0">
@@ -9810,55 +9790,15 @@
               </a:lnSpc>
               <a:buNone/>
             </a:pPr>
-            <a:endParaRPr lang="en-US" dirty="0">
-              <a:latin typeface="Avenir Medium"/>
-              <a:cs typeface="Avenir Medium"/>
-            </a:endParaRPr>
-          </a:p>
-          <a:p>
-            <a:pPr marL="82296" indent="0">
-              <a:lnSpc>
-                <a:spcPct val="120000"/>
-              </a:lnSpc>
-              <a:buNone/>
-            </a:pPr>
-            <a:endParaRPr lang="en-US" dirty="0">
-              <a:latin typeface="Avenir Medium"/>
-              <a:cs typeface="Avenir Medium"/>
-            </a:endParaRPr>
-          </a:p>
-          <a:p>
-            <a:pPr marL="82296" indent="0">
-              <a:lnSpc>
-                <a:spcPct val="120000"/>
-              </a:lnSpc>
-              <a:buNone/>
-            </a:pPr>
-            <a:endParaRPr lang="en-US" dirty="0">
-              <a:latin typeface="Avenir Medium"/>
-              <a:cs typeface="Avenir Medium"/>
-            </a:endParaRPr>
-          </a:p>
-          <a:p>
-            <a:pPr marL="82296" indent="0">
-              <a:lnSpc>
-                <a:spcPct val="120000"/>
-              </a:lnSpc>
-              <a:buNone/>
-            </a:pPr>
-            <a:endParaRPr lang="en-US" dirty="0">
-              <a:latin typeface="Avenir Medium"/>
-              <a:cs typeface="Avenir Medium"/>
-            </a:endParaRPr>
-          </a:p>
-          <a:p>
-            <a:pPr marL="82296" indent="0">
-              <a:lnSpc>
-                <a:spcPct val="120000"/>
-              </a:lnSpc>
-              <a:buNone/>
-            </a:pPr>
-            <a:endParaRPr lang="en-US" dirty="0">
+            <a:r>
+              <a:rPr lang="en-US" sz="1800" dirty="0">
+                <a:latin typeface="Avenir Medium"/>
+                <a:cs typeface="Avenir Medium"/>
+                <a:hlinkClick r:id="rId6"/>
+              </a:rPr>
+              <a:t>https://www.youtube.com/watch?v=QygSZw77Hs8</a:t>
+            </a:r>
+            <a:endParaRPr lang="en-US" sz="1800" dirty="0">
               <a:latin typeface="Avenir Medium"/>
               <a:cs typeface="Avenir Medium"/>
             </a:endParaRPr>
@@ -9868,7 +9808,7 @@
     </p:spTree>
     <p:extLst>
       <p:ext uri="{BB962C8B-B14F-4D97-AF65-F5344CB8AC3E}">
-        <p14:creationId xmlns:p14="http://schemas.microsoft.com/office/powerpoint/2010/main" val="2776534977"/>
+        <p14:creationId xmlns:p14="http://schemas.microsoft.com/office/powerpoint/2010/main" val="4122304297"/>
       </p:ext>
     </p:extLst>
   </p:cSld>
@@ -12991,7 +12931,7 @@
         </p:spPr>
         <p:txBody>
           <a:bodyPr anchor="ctr">
-            <a:normAutofit/>
+            <a:normAutofit fontScale="90000"/>
           </a:bodyPr>
           <a:lstStyle/>
           <a:p>
@@ -13002,7 +12942,7 @@
                 <a:ea typeface="Arial Unicode MS" panose="020B0604020202020204" pitchFamily="34" charset="-128"/>
                 <a:cs typeface="Arial Unicode MS" panose="020B0604020202020204" pitchFamily="34" charset="-128"/>
               </a:rPr>
-              <a:t>Tutorials (and code) on Data Structures</a:t>
+              <a:t>Tutorials (and code) on Data Structures (cont.)</a:t>
             </a:r>
           </a:p>
         </p:txBody>
@@ -13017,8 +12957,8 @@
         </p:nvSpPr>
         <p:spPr>
           <a:xfrm>
-            <a:off x="609600" y="1143000"/>
-            <a:ext cx="8534400" cy="5562600"/>
+            <a:off x="914400" y="1524000"/>
+            <a:ext cx="8229600" cy="5181600"/>
           </a:xfrm>
           <a:prstGeom prst="rect">
             <a:avLst/>
@@ -13174,11 +13114,11 @@
               </a:lnSpc>
             </a:pPr>
             <a:r>
-              <a:rPr lang="en-US" sz="1800" dirty="0">
+              <a:rPr lang="en-US" sz="2400" dirty="0">
                 <a:latin typeface="Avenir Medium"/>
                 <a:cs typeface="Avenir Medium"/>
               </a:rPr>
-              <a:t>Data structures (Advanced R by Hadley Wickham) </a:t>
+              <a:t>3- Introduction to R : Vectors</a:t>
             </a:r>
           </a:p>
           <a:p>
@@ -13194,7 +13134,7 @@
                 <a:cs typeface="Avenir Medium"/>
                 <a:hlinkClick r:id="rId2"/>
               </a:rPr>
-              <a:t>http://</a:t>
+              <a:t>https://</a:t>
             </a:r>
             <a:r>
               <a:rPr lang="en-US" sz="1800" dirty="0" err="1">
@@ -13202,7 +13142,7 @@
                 <a:cs typeface="Avenir Medium"/>
                 <a:hlinkClick r:id="rId2"/>
               </a:rPr>
-              <a:t>adv-r.had.co.nz</a:t>
+              <a:t>www.youtube.com</a:t>
             </a:r>
             <a:r>
               <a:rPr lang="en-US" sz="1800" dirty="0">
@@ -13210,7 +13150,7 @@
                 <a:cs typeface="Avenir Medium"/>
                 <a:hlinkClick r:id="rId2"/>
               </a:rPr>
-              <a:t>/Data-</a:t>
+              <a:t>/</a:t>
             </a:r>
             <a:r>
               <a:rPr lang="en-US" sz="1800" dirty="0" err="1">
@@ -13218,7 +13158,31 @@
                 <a:cs typeface="Avenir Medium"/>
                 <a:hlinkClick r:id="rId2"/>
               </a:rPr>
-              <a:t>structures.html</a:t>
+              <a:t>watch?v</a:t>
+            </a:r>
+            <a:r>
+              <a:rPr lang="en-US" sz="1800" dirty="0">
+                <a:latin typeface="Avenir Medium"/>
+                <a:cs typeface="Avenir Medium"/>
+                <a:hlinkClick r:id="rId2"/>
+              </a:rPr>
+              <a:t>=</a:t>
+            </a:r>
+            <a:r>
+              <a:rPr lang="en-US" sz="1800" dirty="0" err="1">
+                <a:latin typeface="Avenir Medium"/>
+                <a:cs typeface="Avenir Medium"/>
+                <a:hlinkClick r:id="rId2"/>
+              </a:rPr>
+              <a:t>MGphwmXCCgM#t</a:t>
+            </a:r>
+            <a:r>
+              <a:rPr lang="en-US" sz="1800" dirty="0">
+                <a:latin typeface="Avenir Medium"/>
+                <a:cs typeface="Avenir Medium"/>
+                <a:hlinkClick r:id="rId2"/>
+              </a:rPr>
+              <a:t>=12</a:t>
             </a:r>
             <a:endParaRPr lang="en-US" sz="1800" dirty="0">
               <a:latin typeface="Avenir Medium"/>
@@ -13226,20 +13190,6 @@
             </a:endParaRPr>
           </a:p>
           <a:p>
-            <a:pPr>
-              <a:lnSpc>
-                <a:spcPct val="120000"/>
-              </a:lnSpc>
-            </a:pPr>
-            <a:r>
-              <a:rPr lang="en-US" sz="1800" dirty="0">
-                <a:latin typeface="Avenir Medium"/>
-                <a:cs typeface="Avenir Medium"/>
-              </a:rPr>
-              <a:t>1.2 Variables (Variables and Data Structures)</a:t>
-            </a:r>
-          </a:p>
-          <a:p>
             <a:pPr marL="82296" indent="0">
               <a:lnSpc>
                 <a:spcPct val="120000"/>
@@ -13252,7 +13202,7 @@
                 <a:cs typeface="Avenir Medium"/>
                 <a:hlinkClick r:id="rId3"/>
               </a:rPr>
-              <a:t>https://</a:t>
+              <a:t>http://</a:t>
             </a:r>
             <a:r>
               <a:rPr lang="en-US" sz="1800" dirty="0" err="1">
@@ -13260,7 +13210,7 @@
                 <a:cs typeface="Avenir Medium"/>
                 <a:hlinkClick r:id="rId3"/>
               </a:rPr>
-              <a:t>www.youtube.com</a:t>
+              <a:t>repidemiology.wordpress.com</a:t>
             </a:r>
             <a:r>
               <a:rPr lang="en-US" sz="1800" dirty="0">
@@ -13268,31 +13218,7 @@
                 <a:cs typeface="Avenir Medium"/>
                 <a:hlinkClick r:id="rId3"/>
               </a:rPr>
-              <a:t>/</a:t>
-            </a:r>
-            <a:r>
-              <a:rPr lang="en-US" sz="1800" dirty="0" err="1">
-                <a:latin typeface="Avenir Medium"/>
-                <a:cs typeface="Avenir Medium"/>
-                <a:hlinkClick r:id="rId3"/>
-              </a:rPr>
-              <a:t>watch?v</a:t>
-            </a:r>
-            <a:r>
-              <a:rPr lang="en-US" sz="1800" dirty="0">
-                <a:latin typeface="Avenir Medium"/>
-                <a:cs typeface="Avenir Medium"/>
-                <a:hlinkClick r:id="rId3"/>
-              </a:rPr>
-              <a:t>=</a:t>
-            </a:r>
-            <a:r>
-              <a:rPr lang="en-US" sz="1800" dirty="0" err="1">
-                <a:latin typeface="Avenir Medium"/>
-                <a:cs typeface="Avenir Medium"/>
-                <a:hlinkClick r:id="rId3"/>
-              </a:rPr>
-              <a:t>DG7YNf8kb3w</a:t>
+              <a:t>/introduction-to-r-code/</a:t>
             </a:r>
             <a:endParaRPr lang="en-US" sz="1800" dirty="0">
               <a:latin typeface="Avenir Medium"/>
@@ -13306,11 +13232,10 @@
               </a:lnSpc>
             </a:pPr>
             <a:r>
-              <a:rPr lang="en-US" sz="1800" dirty="0">
+              <a:rPr lang="en-US" sz="2400" dirty="0">
                 <a:latin typeface="Avenir Medium"/>
-                <a:cs typeface="Avenir Medium"/>
-              </a:rPr>
-              <a:t>2 - Introduction to R : Atomic Classes</a:t>
+              </a:rPr>
+              <a:t>1.4 Matrices (Variables and Data Structures)</a:t>
             </a:r>
           </a:p>
           <a:p>
@@ -13326,47 +13251,7 @@
                 <a:cs typeface="Avenir Medium"/>
                 <a:hlinkClick r:id="rId4"/>
               </a:rPr>
-              <a:t>https://</a:t>
-            </a:r>
-            <a:r>
-              <a:rPr lang="en-US" sz="1800" dirty="0" err="1">
-                <a:latin typeface="Avenir Medium"/>
-                <a:cs typeface="Avenir Medium"/>
-                <a:hlinkClick r:id="rId4"/>
-              </a:rPr>
-              <a:t>www.youtube.com</a:t>
-            </a:r>
-            <a:r>
-              <a:rPr lang="en-US" sz="1800" dirty="0">
-                <a:latin typeface="Avenir Medium"/>
-                <a:cs typeface="Avenir Medium"/>
-                <a:hlinkClick r:id="rId4"/>
-              </a:rPr>
-              <a:t>/</a:t>
-            </a:r>
-            <a:r>
-              <a:rPr lang="en-US" sz="1800" dirty="0" err="1">
-                <a:latin typeface="Avenir Medium"/>
-                <a:cs typeface="Avenir Medium"/>
-                <a:hlinkClick r:id="rId4"/>
-              </a:rPr>
-              <a:t>watch?v</a:t>
-            </a:r>
-            <a:r>
-              <a:rPr lang="en-US" sz="1800" dirty="0">
-                <a:latin typeface="Avenir Medium"/>
-                <a:cs typeface="Avenir Medium"/>
-                <a:hlinkClick r:id="rId4"/>
-              </a:rPr>
-              <a:t>=</a:t>
-            </a:r>
-            <a:r>
-              <a:rPr lang="en-US" sz="1800" dirty="0" err="1">
-                <a:latin typeface="Avenir Medium"/>
-                <a:cs typeface="Avenir Medium"/>
-                <a:hlinkClick r:id="rId4"/>
-              </a:rPr>
-              <a:t>271FKAYavYE</a:t>
+              <a:t>https://www.youtube.com/watch?v=UakyyZSyuZU</a:t>
             </a:r>
             <a:endParaRPr lang="en-US" sz="1800" dirty="0">
               <a:latin typeface="Avenir Medium"/>
@@ -13374,10 +13259,20 @@
             </a:endParaRPr>
           </a:p>
           <a:p>
-            <a:pPr marL="82296" indent="0">
+            <a:pPr>
               <a:lnSpc>
                 <a:spcPct val="120000"/>
               </a:lnSpc>
+            </a:pPr>
+            <a:r>
+              <a:rPr lang="en-US" sz="2400" dirty="0">
+                <a:latin typeface="Avenir Medium"/>
+              </a:rPr>
+              <a:t>1.5 Lists and Data Frames (Variables and Data Structures)</a:t>
+            </a:r>
+          </a:p>
+          <a:p>
+            <a:pPr marL="82296" indent="0">
               <a:buNone/>
             </a:pPr>
             <a:r>
@@ -13386,23 +13281,7 @@
                 <a:cs typeface="Avenir Medium"/>
                 <a:hlinkClick r:id="rId5"/>
               </a:rPr>
-              <a:t>http://</a:t>
-            </a:r>
-            <a:r>
-              <a:rPr lang="en-US" sz="1800" dirty="0" err="1">
-                <a:latin typeface="Avenir Medium"/>
-                <a:cs typeface="Avenir Medium"/>
-                <a:hlinkClick r:id="rId5"/>
-              </a:rPr>
-              <a:t>repidemiology.wordpress.com</a:t>
-            </a:r>
-            <a:r>
-              <a:rPr lang="en-US" sz="1800" dirty="0">
-                <a:latin typeface="Avenir Medium"/>
-                <a:cs typeface="Avenir Medium"/>
-                <a:hlinkClick r:id="rId5"/>
-              </a:rPr>
-              <a:t>/introduction-to-r-code/</a:t>
+              <a:t>https://www.youtube.com/watch?v=U6vbR4el3kQ</a:t>
             </a:r>
             <a:endParaRPr lang="en-US" sz="1800" dirty="0">
               <a:latin typeface="Avenir Medium"/>
@@ -13416,18 +13295,14 @@
               </a:lnSpc>
             </a:pPr>
             <a:r>
-              <a:rPr lang="en-US" sz="1800" dirty="0">
+              <a:rPr lang="en-US" sz="2400" dirty="0">
                 <a:latin typeface="Avenir Medium"/>
-                <a:cs typeface="Avenir Medium"/>
-              </a:rPr>
-              <a:t>1.3 Vectors (Variables and Data Structures)</a:t>
-            </a:r>
-          </a:p>
-          <a:p>
-            <a:pPr marL="82296" indent="0">
-              <a:lnSpc>
-                <a:spcPct val="120000"/>
-              </a:lnSpc>
+              </a:rPr>
+              <a:t>1.6 Logical Vectors and Operators (Variables and Data Structures)</a:t>
+            </a:r>
+          </a:p>
+          <a:p>
+            <a:pPr marL="82296" indent="0">
               <a:buNone/>
             </a:pPr>
             <a:r>
@@ -13436,239 +13311,7 @@
                 <a:cs typeface="Avenir Medium"/>
                 <a:hlinkClick r:id="rId6"/>
               </a:rPr>
-              <a:t>https://</a:t>
-            </a:r>
-            <a:r>
-              <a:rPr lang="en-US" sz="1800" dirty="0" err="1">
-                <a:latin typeface="Avenir Medium"/>
-                <a:cs typeface="Avenir Medium"/>
-                <a:hlinkClick r:id="rId6"/>
-              </a:rPr>
-              <a:t>www.youtube.com</a:t>
-            </a:r>
-            <a:r>
-              <a:rPr lang="en-US" sz="1800" dirty="0">
-                <a:latin typeface="Avenir Medium"/>
-                <a:cs typeface="Avenir Medium"/>
-                <a:hlinkClick r:id="rId6"/>
-              </a:rPr>
-              <a:t>/</a:t>
-            </a:r>
-            <a:r>
-              <a:rPr lang="en-US" sz="1800" dirty="0" err="1">
-                <a:latin typeface="Avenir Medium"/>
-                <a:cs typeface="Avenir Medium"/>
-                <a:hlinkClick r:id="rId6"/>
-              </a:rPr>
-              <a:t>watch?v</a:t>
-            </a:r>
-            <a:r>
-              <a:rPr lang="en-US" sz="1800" dirty="0">
-                <a:latin typeface="Avenir Medium"/>
-                <a:cs typeface="Avenir Medium"/>
-                <a:hlinkClick r:id="rId6"/>
-              </a:rPr>
-              <a:t>=</a:t>
-            </a:r>
-            <a:r>
-              <a:rPr lang="en-US" sz="1800" dirty="0" err="1">
-                <a:latin typeface="Avenir Medium"/>
-                <a:cs typeface="Avenir Medium"/>
-                <a:hlinkClick r:id="rId6"/>
-              </a:rPr>
-              <a:t>QygSZw77Hs8</a:t>
-            </a:r>
-            <a:endParaRPr lang="en-US" sz="1800" dirty="0">
-              <a:latin typeface="Avenir Medium"/>
-              <a:cs typeface="Avenir Medium"/>
-            </a:endParaRPr>
-          </a:p>
-          <a:p>
-            <a:pPr>
-              <a:lnSpc>
-                <a:spcPct val="120000"/>
-              </a:lnSpc>
-            </a:pPr>
-            <a:r>
-              <a:rPr lang="en-US" sz="1800" dirty="0">
-                <a:latin typeface="Avenir Medium"/>
-                <a:cs typeface="Avenir Medium"/>
-              </a:rPr>
-              <a:t>3- Introduction to R : Vectors</a:t>
-            </a:r>
-          </a:p>
-          <a:p>
-            <a:pPr marL="82296" indent="0">
-              <a:lnSpc>
-                <a:spcPct val="120000"/>
-              </a:lnSpc>
-              <a:buNone/>
-            </a:pPr>
-            <a:r>
-              <a:rPr lang="en-US" sz="1800" dirty="0">
-                <a:latin typeface="Avenir Medium"/>
-                <a:cs typeface="Avenir Medium"/>
-                <a:hlinkClick r:id="rId7"/>
-              </a:rPr>
-              <a:t>https://</a:t>
-            </a:r>
-            <a:r>
-              <a:rPr lang="en-US" sz="1800" dirty="0" err="1">
-                <a:latin typeface="Avenir Medium"/>
-                <a:cs typeface="Avenir Medium"/>
-                <a:hlinkClick r:id="rId7"/>
-              </a:rPr>
-              <a:t>www.youtube.com</a:t>
-            </a:r>
-            <a:r>
-              <a:rPr lang="en-US" sz="1800" dirty="0">
-                <a:latin typeface="Avenir Medium"/>
-                <a:cs typeface="Avenir Medium"/>
-                <a:hlinkClick r:id="rId7"/>
-              </a:rPr>
-              <a:t>/</a:t>
-            </a:r>
-            <a:r>
-              <a:rPr lang="en-US" sz="1800" dirty="0" err="1">
-                <a:latin typeface="Avenir Medium"/>
-                <a:cs typeface="Avenir Medium"/>
-                <a:hlinkClick r:id="rId7"/>
-              </a:rPr>
-              <a:t>watch?v</a:t>
-            </a:r>
-            <a:r>
-              <a:rPr lang="en-US" sz="1800" dirty="0">
-                <a:latin typeface="Avenir Medium"/>
-                <a:cs typeface="Avenir Medium"/>
-                <a:hlinkClick r:id="rId7"/>
-              </a:rPr>
-              <a:t>=</a:t>
-            </a:r>
-            <a:r>
-              <a:rPr lang="en-US" sz="1800" dirty="0" err="1">
-                <a:latin typeface="Avenir Medium"/>
-                <a:cs typeface="Avenir Medium"/>
-                <a:hlinkClick r:id="rId7"/>
-              </a:rPr>
-              <a:t>MGphwmXCCgM#t</a:t>
-            </a:r>
-            <a:r>
-              <a:rPr lang="en-US" sz="1800" dirty="0">
-                <a:latin typeface="Avenir Medium"/>
-                <a:cs typeface="Avenir Medium"/>
-                <a:hlinkClick r:id="rId7"/>
-              </a:rPr>
-              <a:t>=12</a:t>
-            </a:r>
-            <a:endParaRPr lang="en-US" sz="1800" dirty="0">
-              <a:latin typeface="Avenir Medium"/>
-              <a:cs typeface="Avenir Medium"/>
-            </a:endParaRPr>
-          </a:p>
-          <a:p>
-            <a:pPr marL="82296" indent="0">
-              <a:lnSpc>
-                <a:spcPct val="120000"/>
-              </a:lnSpc>
-              <a:buNone/>
-            </a:pPr>
-            <a:r>
-              <a:rPr lang="en-US" sz="1800" dirty="0">
-                <a:latin typeface="Avenir Medium"/>
-                <a:cs typeface="Avenir Medium"/>
-                <a:hlinkClick r:id="rId5"/>
-              </a:rPr>
-              <a:t>http://</a:t>
-            </a:r>
-            <a:r>
-              <a:rPr lang="en-US" sz="1800" dirty="0" err="1">
-                <a:latin typeface="Avenir Medium"/>
-                <a:cs typeface="Avenir Medium"/>
-                <a:hlinkClick r:id="rId5"/>
-              </a:rPr>
-              <a:t>repidemiology.wordpress.com</a:t>
-            </a:r>
-            <a:r>
-              <a:rPr lang="en-US" sz="1800" dirty="0">
-                <a:latin typeface="Avenir Medium"/>
-                <a:cs typeface="Avenir Medium"/>
-                <a:hlinkClick r:id="rId5"/>
-              </a:rPr>
-              <a:t>/introduction-to-r-code/</a:t>
-            </a:r>
-            <a:endParaRPr lang="en-US" sz="1800" dirty="0">
-              <a:latin typeface="Avenir Medium"/>
-              <a:cs typeface="Avenir Medium"/>
-            </a:endParaRPr>
-          </a:p>
-          <a:p>
-            <a:pPr>
-              <a:lnSpc>
-                <a:spcPct val="120000"/>
-              </a:lnSpc>
-            </a:pPr>
-            <a:r>
-              <a:rPr lang="en-US" sz="1800" dirty="0">
-                <a:latin typeface="Avenir Medium"/>
-                <a:cs typeface="Avenir Medium"/>
-              </a:rPr>
-              <a:t>1.4 Matrices (Variables and Data Structures)</a:t>
-            </a:r>
-          </a:p>
-          <a:p>
-            <a:pPr marL="82296" indent="0">
-              <a:lnSpc>
-                <a:spcPct val="120000"/>
-              </a:lnSpc>
-              <a:buNone/>
-            </a:pPr>
-            <a:r>
-              <a:rPr lang="en-US" sz="1800" dirty="0">
-                <a:latin typeface="Avenir Medium"/>
-                <a:cs typeface="Avenir Medium"/>
-                <a:hlinkClick r:id="rId8"/>
-              </a:rPr>
-              <a:t>https://</a:t>
-            </a:r>
-            <a:r>
-              <a:rPr lang="en-US" sz="1800" dirty="0" err="1">
-                <a:latin typeface="Avenir Medium"/>
-                <a:cs typeface="Avenir Medium"/>
-                <a:hlinkClick r:id="rId8"/>
-              </a:rPr>
-              <a:t>www.youtube.com</a:t>
-            </a:r>
-            <a:r>
-              <a:rPr lang="en-US" sz="1800" dirty="0">
-                <a:latin typeface="Avenir Medium"/>
-                <a:cs typeface="Avenir Medium"/>
-                <a:hlinkClick r:id="rId8"/>
-              </a:rPr>
-              <a:t>/</a:t>
-            </a:r>
-            <a:r>
-              <a:rPr lang="en-US" sz="1800" dirty="0" err="1">
-                <a:latin typeface="Avenir Medium"/>
-                <a:cs typeface="Avenir Medium"/>
-                <a:hlinkClick r:id="rId8"/>
-              </a:rPr>
-              <a:t>watch?v</a:t>
-            </a:r>
-            <a:r>
-              <a:rPr lang="en-US" sz="1800" dirty="0">
-                <a:latin typeface="Avenir Medium"/>
-                <a:cs typeface="Avenir Medium"/>
-                <a:hlinkClick r:id="rId8"/>
-              </a:rPr>
-              <a:t>=</a:t>
-            </a:r>
-            <a:r>
-              <a:rPr lang="en-US" sz="1800" dirty="0" err="1">
-                <a:latin typeface="Avenir Medium"/>
-                <a:cs typeface="Avenir Medium"/>
-                <a:hlinkClick r:id="rId8"/>
-              </a:rPr>
-              <a:t>UakyyZSyuZU</a:t>
+              <a:t>https://www.youtube.com/watch?v=GQb735O2qjc</a:t>
             </a:r>
             <a:endParaRPr lang="en-US" sz="1800" dirty="0">
               <a:latin typeface="Avenir Medium"/>
@@ -13680,7 +13323,7 @@
     </p:spTree>
     <p:extLst>
       <p:ext uri="{BB962C8B-B14F-4D97-AF65-F5344CB8AC3E}">
-        <p14:creationId xmlns:p14="http://schemas.microsoft.com/office/powerpoint/2010/main" val="4122304297"/>
+        <p14:creationId xmlns:p14="http://schemas.microsoft.com/office/powerpoint/2010/main" val="3314965504"/>
       </p:ext>
     </p:extLst>
   </p:cSld>
@@ -16543,7 +16186,7 @@
         </p:spPr>
         <p:txBody>
           <a:bodyPr>
-            <a:normAutofit fontScale="77500" lnSpcReduction="20000"/>
+            <a:normAutofit fontScale="92500" lnSpcReduction="20000"/>
           </a:bodyPr>
           <a:lstStyle>
             <a:lvl1pPr marL="365760" indent="-283464" algn="l" eaLnBrk="1" latinLnBrk="0" hangingPunct="1">
@@ -16685,66 +16328,6 @@
             <a:extLst/>
           </a:lstStyle>
           <a:p>
-            <a:r>
-              <a:rPr lang="en-US" dirty="0">
-                <a:latin typeface="Avenir Medium"/>
-                <a:cs typeface="Avenir Medium"/>
-              </a:rPr>
-              <a:t>1.5 Lists and Data Frames (Variables and Data Structures)</a:t>
-            </a:r>
-          </a:p>
-          <a:p>
-            <a:pPr marL="82296" indent="0">
-              <a:buNone/>
-            </a:pPr>
-            <a:r>
-              <a:rPr lang="en-US" dirty="0">
-                <a:latin typeface="Avenir Medium"/>
-                <a:cs typeface="Avenir Medium"/>
-                <a:hlinkClick r:id="rId2"/>
-              </a:rPr>
-              <a:t>https://</a:t>
-            </a:r>
-            <a:r>
-              <a:rPr lang="en-US" dirty="0" err="1">
-                <a:latin typeface="Avenir Medium"/>
-                <a:cs typeface="Avenir Medium"/>
-                <a:hlinkClick r:id="rId2"/>
-              </a:rPr>
-              <a:t>www.youtube.com</a:t>
-            </a:r>
-            <a:r>
-              <a:rPr lang="en-US" dirty="0">
-                <a:latin typeface="Avenir Medium"/>
-                <a:cs typeface="Avenir Medium"/>
-                <a:hlinkClick r:id="rId2"/>
-              </a:rPr>
-              <a:t>/</a:t>
-            </a:r>
-            <a:r>
-              <a:rPr lang="en-US" dirty="0" err="1">
-                <a:latin typeface="Avenir Medium"/>
-                <a:cs typeface="Avenir Medium"/>
-                <a:hlinkClick r:id="rId2"/>
-              </a:rPr>
-              <a:t>watch?v</a:t>
-            </a:r>
-            <a:r>
-              <a:rPr lang="en-US" dirty="0">
-                <a:latin typeface="Avenir Medium"/>
-                <a:cs typeface="Avenir Medium"/>
-                <a:hlinkClick r:id="rId2"/>
-              </a:rPr>
-              <a:t>=</a:t>
-            </a:r>
-            <a:r>
-              <a:rPr lang="en-US" dirty="0" err="1">
-                <a:latin typeface="Avenir Medium"/>
-                <a:cs typeface="Avenir Medium"/>
-                <a:hlinkClick r:id="rId2"/>
-              </a:rPr>
-              <a:t>U6vbR4el3kQ</a:t>
-            </a:r>
             <a:endParaRPr lang="en-US" dirty="0">
               <a:latin typeface="Avenir Medium"/>
               <a:cs typeface="Avenir Medium"/>
@@ -16752,324 +16335,202 @@
           </a:p>
           <a:p>
             <a:r>
-              <a:rPr lang="en-US" dirty="0">
+              <a:rPr lang="en-US" sz="2800" dirty="0">
                 <a:latin typeface="Avenir Medium"/>
                 <a:cs typeface="Avenir Medium"/>
               </a:rPr>
-              <a:t>1.6 Logical Vectors and Operators (Variables and Data Structures)</a:t>
-            </a:r>
-          </a:p>
-          <a:p>
-            <a:pPr marL="82296" indent="0">
-              <a:buNone/>
-            </a:pPr>
-            <a:r>
-              <a:rPr lang="en-US" dirty="0">
+              <a:t>4- Introduction to R : Matrix, List and Data Frame</a:t>
+            </a:r>
+          </a:p>
+          <a:p>
+            <a:pPr marL="82296" indent="0">
+              <a:buNone/>
+            </a:pPr>
+            <a:r>
+              <a:rPr lang="en-US" sz="2400" dirty="0">
+                <a:latin typeface="Avenir Medium"/>
+                <a:cs typeface="Avenir Medium"/>
+                <a:hlinkClick r:id="rId2"/>
+              </a:rPr>
+              <a:t>https://</a:t>
+            </a:r>
+            <a:r>
+              <a:rPr lang="en-US" sz="2400" dirty="0" err="1">
+                <a:latin typeface="Avenir Medium"/>
+                <a:cs typeface="Avenir Medium"/>
+                <a:hlinkClick r:id="rId2"/>
+              </a:rPr>
+              <a:t>www.youtube.com</a:t>
+            </a:r>
+            <a:r>
+              <a:rPr lang="en-US" sz="2400" dirty="0">
+                <a:latin typeface="Avenir Medium"/>
+                <a:cs typeface="Avenir Medium"/>
+                <a:hlinkClick r:id="rId2"/>
+              </a:rPr>
+              <a:t>/</a:t>
+            </a:r>
+            <a:r>
+              <a:rPr lang="en-US" sz="2400" dirty="0" err="1">
+                <a:latin typeface="Avenir Medium"/>
+                <a:cs typeface="Avenir Medium"/>
+                <a:hlinkClick r:id="rId2"/>
+              </a:rPr>
+              <a:t>watch?v</a:t>
+            </a:r>
+            <a:r>
+              <a:rPr lang="en-US" sz="2400" dirty="0">
+                <a:latin typeface="Avenir Medium"/>
+                <a:cs typeface="Avenir Medium"/>
+                <a:hlinkClick r:id="rId2"/>
+              </a:rPr>
+              <a:t>=</a:t>
+            </a:r>
+            <a:r>
+              <a:rPr lang="en-US" sz="2400" dirty="0" err="1">
+                <a:latin typeface="Avenir Medium"/>
+                <a:cs typeface="Avenir Medium"/>
+                <a:hlinkClick r:id="rId2"/>
+              </a:rPr>
+              <a:t>cEX4iXUPqoo</a:t>
+            </a:r>
+            <a:endParaRPr lang="en-US" sz="2400" dirty="0">
+              <a:latin typeface="Avenir Medium"/>
+              <a:cs typeface="Avenir Medium"/>
+            </a:endParaRPr>
+          </a:p>
+          <a:p>
+            <a:pPr marL="82296" indent="0">
+              <a:buNone/>
+            </a:pPr>
+            <a:r>
+              <a:rPr lang="en-US" sz="2400" dirty="0">
                 <a:latin typeface="Avenir Medium"/>
                 <a:cs typeface="Avenir Medium"/>
                 <a:hlinkClick r:id="rId3"/>
               </a:rPr>
-              <a:t>https://</a:t>
-            </a:r>
-            <a:r>
-              <a:rPr lang="en-US" dirty="0" err="1">
+              <a:t>http://</a:t>
+            </a:r>
+            <a:r>
+              <a:rPr lang="en-US" sz="2400" dirty="0" err="1">
                 <a:latin typeface="Avenir Medium"/>
                 <a:cs typeface="Avenir Medium"/>
                 <a:hlinkClick r:id="rId3"/>
               </a:rPr>
-              <a:t>www.youtube.com</a:t>
-            </a:r>
-            <a:r>
-              <a:rPr lang="en-US" dirty="0">
+              <a:t>repidemiology.wordpress.com</a:t>
+            </a:r>
+            <a:r>
+              <a:rPr lang="en-US" sz="2400" dirty="0">
                 <a:latin typeface="Avenir Medium"/>
                 <a:cs typeface="Avenir Medium"/>
                 <a:hlinkClick r:id="rId3"/>
               </a:rPr>
-              <a:t>/</a:t>
-            </a:r>
-            <a:r>
-              <a:rPr lang="en-US" dirty="0" err="1">
-                <a:latin typeface="Avenir Medium"/>
-                <a:cs typeface="Avenir Medium"/>
-                <a:hlinkClick r:id="rId3"/>
-              </a:rPr>
-              <a:t>watch?v</a:t>
-            </a:r>
-            <a:r>
-              <a:rPr lang="en-US" dirty="0">
-                <a:latin typeface="Avenir Medium"/>
-                <a:cs typeface="Avenir Medium"/>
-                <a:hlinkClick r:id="rId3"/>
-              </a:rPr>
-              <a:t>=</a:t>
-            </a:r>
-            <a:r>
-              <a:rPr lang="en-US" dirty="0" err="1">
-                <a:latin typeface="Avenir Medium"/>
-                <a:cs typeface="Avenir Medium"/>
-                <a:hlinkClick r:id="rId3"/>
-              </a:rPr>
-              <a:t>GQb735O2qjc</a:t>
-            </a:r>
-            <a:endParaRPr lang="en-US" dirty="0">
+              <a:t>/introduction-to-r-code/</a:t>
+            </a:r>
+            <a:endParaRPr lang="en-US" sz="2400" dirty="0">
               <a:latin typeface="Avenir Medium"/>
               <a:cs typeface="Avenir Medium"/>
             </a:endParaRPr>
           </a:p>
           <a:p>
-            <a:r>
-              <a:rPr lang="en-US" dirty="0">
+            <a:endParaRPr lang="en-US" sz="2800" dirty="0">
+              <a:latin typeface="Avenir Medium"/>
+            </a:endParaRPr>
+          </a:p>
+          <a:p>
+            <a:r>
+              <a:rPr lang="en-US" sz="2800" dirty="0">
+                <a:latin typeface="Avenir Medium"/>
+              </a:rPr>
+              <a:t>Common Data Structures in R</a:t>
+            </a:r>
+          </a:p>
+          <a:p>
+            <a:pPr marL="82296" indent="0">
+              <a:buNone/>
+            </a:pPr>
+            <a:r>
+              <a:rPr lang="en-US" sz="2400" dirty="0">
+                <a:latin typeface="Avenir Medium"/>
+                <a:hlinkClick r:id="rId4">
+                  <a:extLst>
+                    <a:ext uri="{A12FA001-AC4F-418D-AE19-62706E023703}">
+                      <ahyp:hlinkClr xmlns:ahyp="http://schemas.microsoft.com/office/drawing/2018/hyperlinkcolor" val="tx"/>
+                    </a:ext>
+                  </a:extLst>
+                </a:hlinkClick>
+              </a:rPr>
+              <a:t>https://www.youtube.com/watch?v=q5YJUGTYUvI</a:t>
+            </a:r>
+            <a:endParaRPr lang="en-US" sz="2400" dirty="0">
+              <a:latin typeface="Avenir Medium"/>
+            </a:endParaRPr>
+          </a:p>
+          <a:p>
+            <a:endParaRPr lang="en-US" sz="2800" dirty="0">
+              <a:latin typeface="Avenir Medium"/>
+            </a:endParaRPr>
+          </a:p>
+          <a:p>
+            <a:r>
+              <a:rPr lang="en-US" sz="2800" dirty="0">
+                <a:latin typeface="Avenir Medium"/>
+              </a:rPr>
+              <a:t>Introduction to R Statistical Computing: Data Structures</a:t>
+            </a:r>
+          </a:p>
+          <a:p>
+            <a:pPr marL="82296" indent="0">
+              <a:buNone/>
+            </a:pPr>
+            <a:r>
+              <a:rPr lang="en-US" sz="2400" dirty="0">
                 <a:latin typeface="Avenir Medium"/>
                 <a:cs typeface="Avenir Medium"/>
-              </a:rPr>
-              <a:t>4- Introduction to R : Matrix, List and Data Frame</a:t>
-            </a:r>
-          </a:p>
-          <a:p>
-            <a:pPr marL="82296" indent="0">
-              <a:buNone/>
-            </a:pPr>
-            <a:r>
-              <a:rPr lang="en-US" dirty="0">
-                <a:latin typeface="Avenir Medium"/>
-                <a:cs typeface="Avenir Medium"/>
-                <a:hlinkClick r:id="rId4"/>
-              </a:rPr>
-              <a:t>https://</a:t>
-            </a:r>
-            <a:r>
-              <a:rPr lang="en-US" dirty="0" err="1">
-                <a:latin typeface="Avenir Medium"/>
-                <a:cs typeface="Avenir Medium"/>
-                <a:hlinkClick r:id="rId4"/>
-              </a:rPr>
-              <a:t>www.youtube.com</a:t>
-            </a:r>
-            <a:r>
-              <a:rPr lang="en-US" dirty="0">
-                <a:latin typeface="Avenir Medium"/>
-                <a:cs typeface="Avenir Medium"/>
-                <a:hlinkClick r:id="rId4"/>
-              </a:rPr>
-              <a:t>/</a:t>
-            </a:r>
-            <a:r>
-              <a:rPr lang="en-US" dirty="0" err="1">
-                <a:latin typeface="Avenir Medium"/>
-                <a:cs typeface="Avenir Medium"/>
-                <a:hlinkClick r:id="rId4"/>
-              </a:rPr>
-              <a:t>watch?v</a:t>
-            </a:r>
-            <a:r>
-              <a:rPr lang="en-US" dirty="0">
-                <a:latin typeface="Avenir Medium"/>
-                <a:cs typeface="Avenir Medium"/>
-                <a:hlinkClick r:id="rId4"/>
-              </a:rPr>
-              <a:t>=</a:t>
-            </a:r>
-            <a:r>
-              <a:rPr lang="en-US" dirty="0" err="1">
-                <a:latin typeface="Avenir Medium"/>
-                <a:cs typeface="Avenir Medium"/>
-                <a:hlinkClick r:id="rId4"/>
-              </a:rPr>
-              <a:t>cEX4iXUPqoo</a:t>
-            </a:r>
-            <a:endParaRPr lang="en-US" dirty="0">
+                <a:hlinkClick r:id="rId5"/>
+              </a:rPr>
+              <a:t>https://www.youtube.com/watch?v=OZD4oLobjWM</a:t>
+            </a:r>
+            <a:endParaRPr lang="en-US" sz="2400" dirty="0">
               <a:latin typeface="Avenir Medium"/>
               <a:cs typeface="Avenir Medium"/>
             </a:endParaRPr>
           </a:p>
           <a:p>
-            <a:pPr marL="82296" indent="0">
-              <a:buNone/>
-            </a:pPr>
-            <a:r>
-              <a:rPr lang="en-US" dirty="0">
+            <a:endParaRPr lang="en-US" sz="2800" dirty="0">
+              <a:latin typeface="Avenir Medium"/>
+            </a:endParaRPr>
+          </a:p>
+          <a:p>
+            <a:r>
+              <a:rPr lang="en-US" sz="2800" dirty="0">
                 <a:latin typeface="Avenir Medium"/>
-                <a:cs typeface="Avenir Medium"/>
-                <a:hlinkClick r:id="rId5"/>
-              </a:rPr>
-              <a:t>http://</a:t>
-            </a:r>
-            <a:r>
-              <a:rPr lang="en-US" dirty="0" err="1">
+              </a:rPr>
+              <a:t>Lecture 2b: </a:t>
+            </a:r>
+            <a:r>
+              <a:rPr lang="en-US" sz="2800" dirty="0" err="1">
                 <a:latin typeface="Avenir Medium"/>
-                <a:cs typeface="Avenir Medium"/>
-                <a:hlinkClick r:id="rId5"/>
-              </a:rPr>
-              <a:t>repidemiology.wordpress.com</a:t>
-            </a:r>
-            <a:r>
-              <a:rPr lang="en-US" dirty="0">
-                <a:latin typeface="Avenir Medium"/>
-                <a:cs typeface="Avenir Medium"/>
-                <a:hlinkClick r:id="rId5"/>
-              </a:rPr>
-              <a:t>/introduction-to-r-code/</a:t>
-            </a:r>
-            <a:endParaRPr lang="en-US" dirty="0">
+              </a:rPr>
+              <a:t>Subsetting</a:t>
+            </a:r>
+            <a:endParaRPr lang="en-US" sz="2800" dirty="0">
               <a:latin typeface="Avenir Medium"/>
-              <a:cs typeface="Avenir Medium"/>
             </a:endParaRPr>
           </a:p>
           <a:p>
-            <a:r>
-              <a:rPr lang="en-US" dirty="0">
-                <a:latin typeface="Avenir Medium"/>
-                <a:cs typeface="Avenir Medium"/>
-              </a:rPr>
-              <a:t>Common Data Structures in R</a:t>
-            </a:r>
-          </a:p>
-          <a:p>
-            <a:pPr marL="82296" indent="0">
-              <a:buNone/>
-            </a:pPr>
-            <a:r>
-              <a:rPr lang="en-US" dirty="0">
+            <a:pPr marL="82296" indent="0">
+              <a:buNone/>
+            </a:pPr>
+            <a:r>
+              <a:rPr lang="en-US" sz="2400" dirty="0">
                 <a:latin typeface="Avenir Medium"/>
                 <a:cs typeface="Avenir Medium"/>
                 <a:hlinkClick r:id="rId6"/>
               </a:rPr>
-              <a:t>https://</a:t>
-            </a:r>
-            <a:r>
-              <a:rPr lang="en-US" dirty="0" err="1">
-                <a:latin typeface="Avenir Medium"/>
-                <a:cs typeface="Avenir Medium"/>
-                <a:hlinkClick r:id="rId6"/>
-              </a:rPr>
-              <a:t>www.youtube.com</a:t>
-            </a:r>
-            <a:r>
-              <a:rPr lang="en-US" dirty="0">
-                <a:latin typeface="Avenir Medium"/>
-                <a:cs typeface="Avenir Medium"/>
-                <a:hlinkClick r:id="rId6"/>
-              </a:rPr>
-              <a:t>/</a:t>
-            </a:r>
-            <a:r>
-              <a:rPr lang="en-US" dirty="0" err="1">
-                <a:latin typeface="Avenir Medium"/>
-                <a:cs typeface="Avenir Medium"/>
-                <a:hlinkClick r:id="rId6"/>
-              </a:rPr>
-              <a:t>watch?v</a:t>
-            </a:r>
-            <a:r>
-              <a:rPr lang="en-US" dirty="0">
-                <a:latin typeface="Avenir Medium"/>
-                <a:cs typeface="Avenir Medium"/>
-                <a:hlinkClick r:id="rId6"/>
-              </a:rPr>
-              <a:t>=</a:t>
-            </a:r>
-            <a:r>
-              <a:rPr lang="en-US" dirty="0" err="1">
-                <a:latin typeface="Avenir Medium"/>
-                <a:cs typeface="Avenir Medium"/>
-                <a:hlinkClick r:id="rId6"/>
-              </a:rPr>
-              <a:t>q5YJUGTYUvI</a:t>
-            </a:r>
-            <a:endParaRPr lang="en-US" dirty="0">
-              <a:latin typeface="Avenir Medium"/>
-              <a:cs typeface="Avenir Medium"/>
-            </a:endParaRPr>
-          </a:p>
-          <a:p>
-            <a:r>
-              <a:rPr lang="en-US" dirty="0">
-                <a:latin typeface="Avenir Medium"/>
-                <a:cs typeface="Avenir Medium"/>
-              </a:rPr>
-              <a:t>Introduction to R Statistical Computing: Data Structures</a:t>
-            </a:r>
-          </a:p>
-          <a:p>
-            <a:pPr marL="82296" indent="0">
-              <a:buNone/>
-            </a:pPr>
-            <a:r>
-              <a:rPr lang="en-US" dirty="0">
-                <a:latin typeface="Avenir Medium"/>
-                <a:cs typeface="Avenir Medium"/>
-                <a:hlinkClick r:id="rId7"/>
-              </a:rPr>
-              <a:t>https://</a:t>
-            </a:r>
-            <a:r>
-              <a:rPr lang="en-US" dirty="0" err="1">
-                <a:latin typeface="Avenir Medium"/>
-                <a:cs typeface="Avenir Medium"/>
-                <a:hlinkClick r:id="rId7"/>
-              </a:rPr>
-              <a:t>www.youtube.com</a:t>
-            </a:r>
-            <a:r>
-              <a:rPr lang="en-US" dirty="0">
-                <a:latin typeface="Avenir Medium"/>
-                <a:cs typeface="Avenir Medium"/>
-                <a:hlinkClick r:id="rId7"/>
-              </a:rPr>
-              <a:t>/</a:t>
-            </a:r>
-            <a:r>
-              <a:rPr lang="en-US" dirty="0" err="1">
-                <a:latin typeface="Avenir Medium"/>
-                <a:cs typeface="Avenir Medium"/>
-                <a:hlinkClick r:id="rId7"/>
-              </a:rPr>
-              <a:t>watch?v</a:t>
-            </a:r>
-            <a:r>
-              <a:rPr lang="en-US" dirty="0">
-                <a:latin typeface="Avenir Medium"/>
-                <a:cs typeface="Avenir Medium"/>
-                <a:hlinkClick r:id="rId7"/>
-              </a:rPr>
-              <a:t>=</a:t>
-            </a:r>
-            <a:r>
-              <a:rPr lang="en-US" dirty="0" err="1">
-                <a:latin typeface="Avenir Medium"/>
-                <a:cs typeface="Avenir Medium"/>
-                <a:hlinkClick r:id="rId7"/>
-              </a:rPr>
-              <a:t>OZD4oLobjWM</a:t>
-            </a:r>
-            <a:endParaRPr lang="en-US" dirty="0" err="1">
-              <a:latin typeface="Avenir Medium"/>
-              <a:cs typeface="Avenir Medium"/>
-            </a:endParaRPr>
-          </a:p>
-          <a:p>
-            <a:r>
-              <a:rPr lang="en-US"/>
-              <a:t>Lecture 2b: Subsetting</a:t>
-            </a:r>
-            <a:endParaRPr lang="en-US" dirty="0">
-              <a:latin typeface="Avenir Medium"/>
-              <a:cs typeface="Avenir Medium"/>
-            </a:endParaRPr>
-          </a:p>
-          <a:p>
-            <a:pPr marL="82296" indent="0">
-              <a:buNone/>
-            </a:pPr>
-            <a:r>
-              <a:rPr lang="en-US" dirty="0">
-                <a:latin typeface="Avenir Medium"/>
-                <a:cs typeface="Avenir Medium"/>
-                <a:hlinkClick r:id="rId8"/>
-              </a:rPr>
               <a:t>https://www.youtube.com/watch?v=hWbgqzsQJF0&amp;index=7&amp;list=PLjTlxb-wKvXNSDfcKPFH2gzHGyjpeCZmJ</a:t>
             </a:r>
-            <a:endParaRPr lang="en-US" dirty="0">
+            <a:endParaRPr lang="en-US" sz="2400" dirty="0">
               <a:latin typeface="Avenir Medium"/>
               <a:cs typeface="Avenir Medium"/>
             </a:endParaRPr>
@@ -31631,14 +31092,14 @@
           <a:effectLst/>
           <a:extLst>
             <a:ext uri="{909E8E84-426E-40dd-AFC4-6F175D3DCCD1}">
-              <a14:hiddenFill xmlns="" xmlns:a14="http://schemas.microsoft.com/office/drawing/2010/main">
+              <a14:hiddenFill xmlns:a14="http://schemas.microsoft.com/office/drawing/2010/main" xmlns="">
                 <a:solidFill>
                   <a:schemeClr val="accent1"/>
                 </a:solidFill>
               </a14:hiddenFill>
             </a:ext>
             <a:ext uri="{91240B29-F687-4f45-9708-019B960494DF}">
-              <a14:hiddenLine xmlns="" xmlns:a14="http://schemas.microsoft.com/office/drawing/2010/main" w="9525">
+              <a14:hiddenLine xmlns:a14="http://schemas.microsoft.com/office/drawing/2010/main" xmlns="" w="9525">
                 <a:solidFill>
                   <a:schemeClr val="tx1"/>
                 </a:solidFill>
@@ -31648,7 +31109,7 @@
               </a14:hiddenLine>
             </a:ext>
             <a:ext uri="{AF507438-7753-43e0-B8FC-AC1667EBCBE1}">
-              <a14:hiddenEffects xmlns="" xmlns:a14="http://schemas.microsoft.com/office/drawing/2010/main">
+              <a14:hiddenEffects xmlns:a14="http://schemas.microsoft.com/office/drawing/2010/main" xmlns="">
                 <a:effectLst>
                   <a:outerShdw dist="35921" dir="2700000" algn="ctr" rotWithShape="0">
                     <a:schemeClr val="bg2"/>
@@ -35600,14 +35061,14 @@
           <a:effectLst/>
           <a:extLst>
             <a:ext uri="{909E8E84-426E-40dd-AFC4-6F175D3DCCD1}">
-              <a14:hiddenFill xmlns="" xmlns:a14="http://schemas.microsoft.com/office/drawing/2010/main">
+              <a14:hiddenFill xmlns:a14="http://schemas.microsoft.com/office/drawing/2010/main" xmlns="">
                 <a:solidFill>
                   <a:schemeClr val="accent1"/>
                 </a:solidFill>
               </a14:hiddenFill>
             </a:ext>
             <a:ext uri="{91240B29-F687-4f45-9708-019B960494DF}">
-              <a14:hiddenLine xmlns="" xmlns:a14="http://schemas.microsoft.com/office/drawing/2010/main" w="9525">
+              <a14:hiddenLine xmlns:a14="http://schemas.microsoft.com/office/drawing/2010/main" xmlns="" w="9525">
                 <a:solidFill>
                   <a:schemeClr val="tx1"/>
                 </a:solidFill>
@@ -35617,7 +35078,7 @@
               </a14:hiddenLine>
             </a:ext>
             <a:ext uri="{AF507438-7753-43e0-B8FC-AC1667EBCBE1}">
-              <a14:hiddenEffects xmlns="" xmlns:a14="http://schemas.microsoft.com/office/drawing/2010/main">
+              <a14:hiddenEffects xmlns:a14="http://schemas.microsoft.com/office/drawing/2010/main" xmlns="">
                 <a:effectLst>
                   <a:outerShdw dist="35921" dir="2700000" algn="ctr" rotWithShape="0">
                     <a:schemeClr val="bg2"/>
